--- a/fuentes/contenidos/grado08/guion06/CN_08_06.pptx
+++ b/fuentes/contenidos/grado08/guion06/CN_08_06.pptx
@@ -461,7 +461,7 @@
           <a:p>
             <a:fld id="{5001C876-01F7-4317-94B9-1AE222133113}" type="datetimeFigureOut">
               <a:rPr lang="es-ES" smtClean="0"/>
-              <a:t>21/09/2015</a:t>
+              <a:t>21/10/2015</a:t>
             </a:fld>
             <a:endParaRPr lang="es-ES"/>
           </a:p>
@@ -1130,11 +1130,7 @@
             <a:pPr algn="ctr"/>
             <a:r>
               <a:rPr lang="es-ES" sz="1300" b="1" dirty="0" smtClean="0"/>
-              <a:t>Moléculas </a:t>
-            </a:r>
-            <a:r>
-              <a:rPr lang="es-ES" sz="1300" b="1" dirty="0" smtClean="0"/>
-              <a:t>con información genética</a:t>
+              <a:t>Moléculas con información genética</a:t>
             </a:r>
             <a:endParaRPr lang="es-ES" sz="1300" b="1" dirty="0"/>
           </a:p>
@@ -1263,16 +1259,20 @@
           <a:p>
             <a:pPr algn="ctr"/>
             <a:r>
-              <a:rPr lang="en-US" sz="900" dirty="0" err="1"/>
-              <a:t>c</a:t>
+              <a:rPr lang="en-US" sz="900" dirty="0"/>
+              <a:t>q</a:t>
+            </a:r>
+            <a:r>
+              <a:rPr lang="en-US" sz="900" dirty="0" smtClean="0"/>
+              <a:t>ue </a:t>
             </a:r>
             <a:r>
               <a:rPr lang="en-US" sz="900" dirty="0" err="1" smtClean="0"/>
-              <a:t>onstituyen</a:t>
-            </a:r>
-            <a:r>
-              <a:rPr lang="en-US" sz="900" dirty="0" smtClean="0"/>
-              <a:t> el</a:t>
+              <a:t>constituy</a:t>
+            </a:r>
+            <a:r>
+              <a:rPr lang="en-US" sz="900" dirty="0" err="1" smtClean="0"/>
+              <a:t>en</a:t>
             </a:r>
             <a:endParaRPr lang="es-ES" sz="900" dirty="0"/>
           </a:p>
@@ -1398,7 +1398,7 @@
                   <a:schemeClr val="bg1"/>
                 </a:solidFill>
               </a:rPr>
-              <a:t>g</a:t>
+              <a:t>e</a:t>
             </a:r>
             <a:r>
               <a:rPr lang="es-ES_tradnl" sz="1000" dirty="0" smtClean="0">
@@ -1406,7 +1406,7 @@
                   <a:schemeClr val="bg1"/>
                 </a:solidFill>
               </a:rPr>
-              <a:t>enotipo</a:t>
+              <a:t>l genotipo</a:t>
             </a:r>
             <a:endParaRPr lang="es-ES" sz="1000" dirty="0">
               <a:solidFill>
@@ -1852,9 +1852,9 @@
           <p:nvPr/>
         </p:nvCxnSpPr>
         <p:spPr>
-          <a:xfrm>
-            <a:off x="3210941" y="2326183"/>
-            <a:ext cx="355" cy="102075"/>
+          <a:xfrm flipH="1">
+            <a:off x="3211296" y="2326183"/>
+            <a:ext cx="84461" cy="102075"/>
           </a:xfrm>
           <a:prstGeom prst="straightConnector1">
             <a:avLst/>
@@ -2425,8 +2425,8 @@
         </p:nvSpPr>
         <p:spPr>
           <a:xfrm>
-            <a:off x="2591035" y="2095351"/>
-            <a:ext cx="1239812" cy="230832"/>
+            <a:off x="2760667" y="2095351"/>
+            <a:ext cx="1070180" cy="230832"/>
           </a:xfrm>
           <a:prstGeom prst="rect">
             <a:avLst/>
@@ -2440,6 +2440,14 @@
           <a:lstStyle/>
           <a:p>
             <a:pPr algn="ctr"/>
+            <a:r>
+              <a:rPr lang="en-US" sz="900"/>
+              <a:t>q</a:t>
+            </a:r>
+            <a:r>
+              <a:rPr lang="en-US" sz="900" smtClean="0"/>
+              <a:t>ue </a:t>
+            </a:r>
             <a:r>
               <a:rPr lang="en-US" sz="900" dirty="0" err="1" smtClean="0"/>
               <a:t>indican</a:t>
@@ -2459,7 +2467,7 @@
         <p:spPr>
           <a:xfrm>
             <a:off x="2492741" y="1990229"/>
-            <a:ext cx="718200" cy="105122"/>
+            <a:ext cx="803016" cy="105122"/>
           </a:xfrm>
           <a:prstGeom prst="bentConnector2">
             <a:avLst/>
@@ -3076,7 +3084,7 @@
         </p:nvSpPr>
         <p:spPr>
           <a:xfrm>
-            <a:off x="1443560" y="2124546"/>
+            <a:off x="1500114" y="2123777"/>
             <a:ext cx="1239812" cy="230832"/>
           </a:xfrm>
           <a:prstGeom prst="rect">
@@ -3092,8 +3100,12 @@
           <a:p>
             <a:pPr algn="ctr"/>
             <a:r>
+              <a:rPr lang="en-US" sz="900" dirty="0"/>
+              <a:t>q</a:t>
+            </a:r>
+            <a:r>
               <a:rPr lang="en-US" sz="900" dirty="0" smtClean="0"/>
-              <a:t>se </a:t>
+              <a:t>ue se </a:t>
             </a:r>
             <a:r>
               <a:rPr lang="en-US" sz="900" dirty="0" err="1" smtClean="0"/>
@@ -3118,8 +3130,8 @@
         </p:nvCxnSpPr>
         <p:spPr>
           <a:xfrm flipV="1">
-            <a:off x="2062820" y="2355378"/>
-            <a:ext cx="646" cy="64400"/>
+            <a:off x="2062820" y="2354609"/>
+            <a:ext cx="57200" cy="65169"/>
           </a:xfrm>
           <a:prstGeom prst="straightConnector1">
             <a:avLst/>
@@ -3151,7 +3163,7 @@
         </p:nvCxnSpPr>
         <p:spPr>
           <a:xfrm>
-            <a:off x="2062352" y="1986436"/>
+            <a:off x="2118906" y="1985667"/>
             <a:ext cx="1114" cy="138110"/>
           </a:xfrm>
           <a:prstGeom prst="straightConnector1">
